--- a/pymc/doc/figures.pptx
+++ b/pymc/doc/figures.pptx
@@ -6,6 +6,7 @@
   </p:sldMasterIdLst>
   <p:sldIdLst>
     <p:sldId id="256" r:id="rId2"/>
+    <p:sldId id="257" r:id="rId3"/>
   </p:sldIdLst>
   <p:sldSz cx="12192000" cy="6858000"/>
   <p:notesSz cx="6858000" cy="9144000"/>
@@ -104,6 +105,11 @@
       </a:defRPr>
     </a:lvl9pPr>
   </p:defaultTextStyle>
+  <p:extLst>
+    <p:ext uri="{EFAFB233-063F-42B5-8137-9DF3F51BA10A}">
+      <p15:sldGuideLst xmlns:p15="http://schemas.microsoft.com/office/powerpoint/2012/main"/>
+    </p:ext>
+  </p:extLst>
 </p:presentation>
 </file>
 
@@ -3559,12 +3565,477 @@
           <a:chExt cx="0" cy="0"/>
         </a:xfrm>
       </p:grpSpPr>
+      <p:grpSp>
+        <p:nvGrpSpPr>
+          <p:cNvPr id="17" name="グループ化 16">
+            <a:extLst>
+              <a:ext uri="{FF2B5EF4-FFF2-40B4-BE49-F238E27FC236}">
+                <a16:creationId xmlns:a16="http://schemas.microsoft.com/office/drawing/2014/main" id="{8059F5C7-E02E-2E48-A8C1-A23B67D9E27A}"/>
+              </a:ext>
+            </a:extLst>
+          </p:cNvPr>
+          <p:cNvGrpSpPr/>
+          <p:nvPr/>
+        </p:nvGrpSpPr>
+        <p:grpSpPr>
+          <a:xfrm>
+            <a:off x="3424252" y="2899444"/>
+            <a:ext cx="3210064" cy="2715325"/>
+            <a:chOff x="7278642" y="67983"/>
+            <a:chExt cx="3210064" cy="2715325"/>
+          </a:xfrm>
+        </p:grpSpPr>
+        <p:pic>
+          <p:nvPicPr>
+            <p:cNvPr id="5" name="図 4">
+              <a:extLst>
+                <a:ext uri="{FF2B5EF4-FFF2-40B4-BE49-F238E27FC236}">
+                  <a16:creationId xmlns:a16="http://schemas.microsoft.com/office/drawing/2014/main" id="{97B2A636-344A-8342-93C2-099CA6965B00}"/>
+                </a:ext>
+              </a:extLst>
+            </p:cNvPr>
+            <p:cNvPicPr>
+              <a:picLocks noChangeAspect="1"/>
+            </p:cNvPicPr>
+            <p:nvPr/>
+          </p:nvPicPr>
+          <p:blipFill>
+            <a:blip r:embed="rId2"/>
+            <a:stretch>
+              <a:fillRect/>
+            </a:stretch>
+          </p:blipFill>
+          <p:spPr>
+            <a:xfrm>
+              <a:off x="7278642" y="67983"/>
+              <a:ext cx="3210064" cy="2407548"/>
+            </a:xfrm>
+            <a:prstGeom prst="rect">
+              <a:avLst/>
+            </a:prstGeom>
+          </p:spPr>
+        </p:pic>
+        <p:sp>
+          <p:nvSpPr>
+            <p:cNvPr id="6" name="テキスト ボックス 5">
+              <a:extLst>
+                <a:ext uri="{FF2B5EF4-FFF2-40B4-BE49-F238E27FC236}">
+                  <a16:creationId xmlns:a16="http://schemas.microsoft.com/office/drawing/2014/main" id="{B8D3413D-647C-774E-8822-D34A8059E9F0}"/>
+                </a:ext>
+              </a:extLst>
+            </p:cNvPr>
+            <p:cNvSpPr txBox="1"/>
+            <p:nvPr/>
+          </p:nvSpPr>
+          <p:spPr>
+            <a:xfrm>
+              <a:off x="8443823" y="2475531"/>
+              <a:ext cx="1079142" cy="307777"/>
+            </a:xfrm>
+            <a:prstGeom prst="rect">
+              <a:avLst/>
+            </a:prstGeom>
+            <a:noFill/>
+          </p:spPr>
+          <p:txBody>
+            <a:bodyPr wrap="none" rtlCol="0">
+              <a:spAutoFit/>
+            </a:bodyPr>
+            <a:lstStyle/>
+            <a:p>
+              <a:r>
+                <a:rPr lang="en-US" altLang="ja-JP" sz="1400" dirty="0"/>
+                <a:t>160000000</a:t>
+              </a:r>
+              <a:endParaRPr kumimoji="1" lang="ja-JP" altLang="en-US" sz="1400"/>
+            </a:p>
+          </p:txBody>
+        </p:sp>
+      </p:grpSp>
+      <p:grpSp>
+        <p:nvGrpSpPr>
+          <p:cNvPr id="16" name="グループ化 15">
+            <a:extLst>
+              <a:ext uri="{FF2B5EF4-FFF2-40B4-BE49-F238E27FC236}">
+                <a16:creationId xmlns:a16="http://schemas.microsoft.com/office/drawing/2014/main" id="{97CA6228-F6FC-0847-9F83-F72E3EC56044}"/>
+              </a:ext>
+            </a:extLst>
+          </p:cNvPr>
+          <p:cNvGrpSpPr/>
+          <p:nvPr/>
+        </p:nvGrpSpPr>
+        <p:grpSpPr>
+          <a:xfrm>
+            <a:off x="319411" y="2890863"/>
+            <a:ext cx="3216367" cy="2723906"/>
+            <a:chOff x="3935506" y="69349"/>
+            <a:chExt cx="3216367" cy="2723906"/>
+          </a:xfrm>
+        </p:grpSpPr>
+        <p:pic>
+          <p:nvPicPr>
+            <p:cNvPr id="8" name="図 7">
+              <a:extLst>
+                <a:ext uri="{FF2B5EF4-FFF2-40B4-BE49-F238E27FC236}">
+                  <a16:creationId xmlns:a16="http://schemas.microsoft.com/office/drawing/2014/main" id="{C98C49D1-5930-CC4E-B08D-04D686F6F6F9}"/>
+                </a:ext>
+              </a:extLst>
+            </p:cNvPr>
+            <p:cNvPicPr>
+              <a:picLocks noChangeAspect="1"/>
+            </p:cNvPicPr>
+            <p:nvPr/>
+          </p:nvPicPr>
+          <p:blipFill>
+            <a:blip r:embed="rId3"/>
+            <a:stretch>
+              <a:fillRect/>
+            </a:stretch>
+          </p:blipFill>
+          <p:spPr>
+            <a:xfrm>
+              <a:off x="3935506" y="69349"/>
+              <a:ext cx="3216367" cy="2412275"/>
+            </a:xfrm>
+            <a:prstGeom prst="rect">
+              <a:avLst/>
+            </a:prstGeom>
+          </p:spPr>
+        </p:pic>
+        <p:sp>
+          <p:nvSpPr>
+            <p:cNvPr id="9" name="テキスト ボックス 8">
+              <a:extLst>
+                <a:ext uri="{FF2B5EF4-FFF2-40B4-BE49-F238E27FC236}">
+                  <a16:creationId xmlns:a16="http://schemas.microsoft.com/office/drawing/2014/main" id="{ADD38D71-A5C2-CD45-8208-49B412643AF0}"/>
+                </a:ext>
+              </a:extLst>
+            </p:cNvPr>
+            <p:cNvSpPr txBox="1"/>
+            <p:nvPr/>
+          </p:nvSpPr>
+          <p:spPr>
+            <a:xfrm>
+              <a:off x="5053811" y="2485478"/>
+              <a:ext cx="979755" cy="307777"/>
+            </a:xfrm>
+            <a:prstGeom prst="rect">
+              <a:avLst/>
+            </a:prstGeom>
+            <a:noFill/>
+          </p:spPr>
+          <p:txBody>
+            <a:bodyPr wrap="none" rtlCol="0">
+              <a:spAutoFit/>
+            </a:bodyPr>
+            <a:lstStyle/>
+            <a:p>
+              <a:r>
+                <a:rPr lang="en-US" altLang="ja-JP" sz="1400" dirty="0"/>
+                <a:t>80000000</a:t>
+              </a:r>
+              <a:endParaRPr kumimoji="1" lang="ja-JP" altLang="en-US" sz="1400" dirty="0"/>
+            </a:p>
+          </p:txBody>
+        </p:sp>
+      </p:grpSp>
+      <p:grpSp>
+        <p:nvGrpSpPr>
+          <p:cNvPr id="13" name="グループ化 12">
+            <a:extLst>
+              <a:ext uri="{FF2B5EF4-FFF2-40B4-BE49-F238E27FC236}">
+                <a16:creationId xmlns:a16="http://schemas.microsoft.com/office/drawing/2014/main" id="{0A50D8F6-7C5E-9240-8785-F4BCB1B7923F}"/>
+              </a:ext>
+            </a:extLst>
+          </p:cNvPr>
+          <p:cNvGrpSpPr/>
+          <p:nvPr/>
+        </p:nvGrpSpPr>
+        <p:grpSpPr>
+          <a:xfrm>
+            <a:off x="319411" y="156143"/>
+            <a:ext cx="3216366" cy="2720052"/>
+            <a:chOff x="719140" y="73203"/>
+            <a:chExt cx="3216366" cy="2720052"/>
+          </a:xfrm>
+        </p:grpSpPr>
+        <p:sp>
+          <p:nvSpPr>
+            <p:cNvPr id="14" name="テキスト ボックス 13">
+              <a:extLst>
+                <a:ext uri="{FF2B5EF4-FFF2-40B4-BE49-F238E27FC236}">
+                  <a16:creationId xmlns:a16="http://schemas.microsoft.com/office/drawing/2014/main" id="{CD5BB458-4983-8E4E-AA59-B3E169DB778C}"/>
+                </a:ext>
+              </a:extLst>
+            </p:cNvPr>
+            <p:cNvSpPr txBox="1"/>
+            <p:nvPr/>
+          </p:nvSpPr>
+          <p:spPr>
+            <a:xfrm>
+              <a:off x="1837445" y="2485478"/>
+              <a:ext cx="979755" cy="307777"/>
+            </a:xfrm>
+            <a:prstGeom prst="rect">
+              <a:avLst/>
+            </a:prstGeom>
+            <a:noFill/>
+          </p:spPr>
+          <p:txBody>
+            <a:bodyPr wrap="none" rtlCol="0">
+              <a:spAutoFit/>
+            </a:bodyPr>
+            <a:lstStyle/>
+            <a:p>
+              <a:r>
+                <a:rPr lang="en-US" altLang="ja-JP" sz="1400" dirty="0"/>
+                <a:t>50000000</a:t>
+              </a:r>
+              <a:endParaRPr kumimoji="1" lang="ja-JP" altLang="en-US" sz="1400" dirty="0"/>
+            </a:p>
+          </p:txBody>
+        </p:sp>
+        <p:pic>
+          <p:nvPicPr>
+            <p:cNvPr id="10" name="図 9">
+              <a:extLst>
+                <a:ext uri="{FF2B5EF4-FFF2-40B4-BE49-F238E27FC236}">
+                  <a16:creationId xmlns:a16="http://schemas.microsoft.com/office/drawing/2014/main" id="{94D3CE72-53DD-894E-9D83-2572BE7D618A}"/>
+                </a:ext>
+              </a:extLst>
+            </p:cNvPr>
+            <p:cNvPicPr>
+              <a:picLocks noChangeAspect="1"/>
+            </p:cNvPicPr>
+            <p:nvPr/>
+          </p:nvPicPr>
+          <p:blipFill>
+            <a:blip r:embed="rId4"/>
+            <a:stretch>
+              <a:fillRect/>
+            </a:stretch>
+          </p:blipFill>
+          <p:spPr>
+            <a:xfrm>
+              <a:off x="719140" y="73203"/>
+              <a:ext cx="3216366" cy="2412275"/>
+            </a:xfrm>
+            <a:prstGeom prst="rect">
+              <a:avLst/>
+            </a:prstGeom>
+          </p:spPr>
+        </p:pic>
+      </p:grpSp>
+      <p:grpSp>
+        <p:nvGrpSpPr>
+          <p:cNvPr id="19" name="グループ化 18">
+            <a:extLst>
+              <a:ext uri="{FF2B5EF4-FFF2-40B4-BE49-F238E27FC236}">
+                <a16:creationId xmlns:a16="http://schemas.microsoft.com/office/drawing/2014/main" id="{C0729D6E-C2BB-1A46-9417-1EA9EF5BC171}"/>
+              </a:ext>
+            </a:extLst>
+          </p:cNvPr>
+          <p:cNvGrpSpPr/>
+          <p:nvPr/>
+        </p:nvGrpSpPr>
+        <p:grpSpPr>
+          <a:xfrm>
+            <a:off x="3362518" y="156143"/>
+            <a:ext cx="3333533" cy="2734720"/>
+            <a:chOff x="719140" y="2783308"/>
+            <a:chExt cx="3333533" cy="2734720"/>
+          </a:xfrm>
+        </p:grpSpPr>
+        <p:pic>
+          <p:nvPicPr>
+            <p:cNvPr id="3" name="図 2">
+              <a:extLst>
+                <a:ext uri="{FF2B5EF4-FFF2-40B4-BE49-F238E27FC236}">
+                  <a16:creationId xmlns:a16="http://schemas.microsoft.com/office/drawing/2014/main" id="{EF95F83D-0CD3-FC40-8C63-5C3FE7D2C13D}"/>
+                </a:ext>
+              </a:extLst>
+            </p:cNvPr>
+            <p:cNvPicPr>
+              <a:picLocks noChangeAspect="1"/>
+            </p:cNvPicPr>
+            <p:nvPr/>
+          </p:nvPicPr>
+          <p:blipFill>
+            <a:blip r:embed="rId5"/>
+            <a:stretch>
+              <a:fillRect/>
+            </a:stretch>
+          </p:blipFill>
+          <p:spPr>
+            <a:xfrm>
+              <a:off x="719140" y="2783308"/>
+              <a:ext cx="3333533" cy="2500150"/>
+            </a:xfrm>
+            <a:prstGeom prst="rect">
+              <a:avLst/>
+            </a:prstGeom>
+          </p:spPr>
+        </p:pic>
+        <p:sp>
+          <p:nvSpPr>
+            <p:cNvPr id="12" name="テキスト ボックス 11">
+              <a:extLst>
+                <a:ext uri="{FF2B5EF4-FFF2-40B4-BE49-F238E27FC236}">
+                  <a16:creationId xmlns:a16="http://schemas.microsoft.com/office/drawing/2014/main" id="{7A47CE8D-D6EB-DA4F-B6AB-9FCAEFB0D913}"/>
+                </a:ext>
+              </a:extLst>
+            </p:cNvPr>
+            <p:cNvSpPr txBox="1"/>
+            <p:nvPr/>
+          </p:nvSpPr>
+          <p:spPr>
+            <a:xfrm>
+              <a:off x="1837444" y="5210251"/>
+              <a:ext cx="979755" cy="307777"/>
+            </a:xfrm>
+            <a:prstGeom prst="rect">
+              <a:avLst/>
+            </a:prstGeom>
+            <a:noFill/>
+          </p:spPr>
+          <p:txBody>
+            <a:bodyPr wrap="none" rtlCol="0">
+              <a:spAutoFit/>
+            </a:bodyPr>
+            <a:lstStyle/>
+            <a:p>
+              <a:r>
+                <a:rPr lang="en-US" altLang="ja-JP" sz="1400" dirty="0"/>
+                <a:t>60000000</a:t>
+              </a:r>
+              <a:endParaRPr kumimoji="1" lang="ja-JP" altLang="en-US" sz="1400" dirty="0"/>
+            </a:p>
+          </p:txBody>
+        </p:sp>
+      </p:grpSp>
+      <p:grpSp>
+        <p:nvGrpSpPr>
+          <p:cNvPr id="18" name="グループ化 17">
+            <a:extLst>
+              <a:ext uri="{FF2B5EF4-FFF2-40B4-BE49-F238E27FC236}">
+                <a16:creationId xmlns:a16="http://schemas.microsoft.com/office/drawing/2014/main" id="{B1966663-3509-8848-B020-C48AEBE36107}"/>
+              </a:ext>
+            </a:extLst>
+          </p:cNvPr>
+          <p:cNvGrpSpPr/>
+          <p:nvPr/>
+        </p:nvGrpSpPr>
+        <p:grpSpPr>
+          <a:xfrm>
+            <a:off x="6578881" y="141476"/>
+            <a:ext cx="3333533" cy="2734719"/>
+            <a:chOff x="3945109" y="2783309"/>
+            <a:chExt cx="3333533" cy="2734719"/>
+          </a:xfrm>
+        </p:grpSpPr>
+        <p:pic>
+          <p:nvPicPr>
+            <p:cNvPr id="7" name="図 6">
+              <a:extLst>
+                <a:ext uri="{FF2B5EF4-FFF2-40B4-BE49-F238E27FC236}">
+                  <a16:creationId xmlns:a16="http://schemas.microsoft.com/office/drawing/2014/main" id="{6909DB63-2EA5-CD46-8F89-655285949C9A}"/>
+                </a:ext>
+              </a:extLst>
+            </p:cNvPr>
+            <p:cNvPicPr>
+              <a:picLocks noChangeAspect="1"/>
+            </p:cNvPicPr>
+            <p:nvPr/>
+          </p:nvPicPr>
+          <p:blipFill>
+            <a:blip r:embed="rId6"/>
+            <a:stretch>
+              <a:fillRect/>
+            </a:stretch>
+          </p:blipFill>
+          <p:spPr>
+            <a:xfrm>
+              <a:off x="3945109" y="2783309"/>
+              <a:ext cx="3333533" cy="2500150"/>
+            </a:xfrm>
+            <a:prstGeom prst="rect">
+              <a:avLst/>
+            </a:prstGeom>
+          </p:spPr>
+        </p:pic>
+        <p:sp>
+          <p:nvSpPr>
+            <p:cNvPr id="15" name="テキスト ボックス 14">
+              <a:extLst>
+                <a:ext uri="{FF2B5EF4-FFF2-40B4-BE49-F238E27FC236}">
+                  <a16:creationId xmlns:a16="http://schemas.microsoft.com/office/drawing/2014/main" id="{E8BD1418-7177-924D-86DE-54DAA946A0DD}"/>
+                </a:ext>
+              </a:extLst>
+            </p:cNvPr>
+            <p:cNvSpPr txBox="1"/>
+            <p:nvPr/>
+          </p:nvSpPr>
+          <p:spPr>
+            <a:xfrm>
+              <a:off x="5180582" y="5210251"/>
+              <a:ext cx="979755" cy="307777"/>
+            </a:xfrm>
+            <a:prstGeom prst="rect">
+              <a:avLst/>
+            </a:prstGeom>
+            <a:noFill/>
+          </p:spPr>
+          <p:txBody>
+            <a:bodyPr wrap="none" rtlCol="0">
+              <a:spAutoFit/>
+            </a:bodyPr>
+            <a:lstStyle/>
+            <a:p>
+              <a:r>
+                <a:rPr lang="en-US" altLang="ja-JP" sz="1400" dirty="0"/>
+                <a:t>70000000</a:t>
+              </a:r>
+              <a:endParaRPr kumimoji="1" lang="ja-JP" altLang="en-US" sz="1400" dirty="0"/>
+            </a:p>
+          </p:txBody>
+        </p:sp>
+      </p:grpSp>
+    </p:spTree>
+    <p:extLst>
+      <p:ext uri="{BB962C8B-B14F-4D97-AF65-F5344CB8AC3E}">
+        <p14:creationId xmlns:p14="http://schemas.microsoft.com/office/powerpoint/2010/main" val="1771373814"/>
+      </p:ext>
+    </p:extLst>
+  </p:cSld>
+  <p:clrMapOvr>
+    <a:masterClrMapping/>
+  </p:clrMapOvr>
+</p:sld>
+</file>
+
+<file path=ppt/slides/slide2.xml><?xml version="1.0" encoding="utf-8"?>
+<p:sld xmlns:a="http://schemas.openxmlformats.org/drawingml/2006/main" xmlns:r="http://schemas.openxmlformats.org/officeDocument/2006/relationships" xmlns:p="http://schemas.openxmlformats.org/presentationml/2006/main">
+  <p:cSld>
+    <p:spTree>
+      <p:nvGrpSpPr>
+        <p:cNvPr id="1" name=""/>
+        <p:cNvGrpSpPr/>
+        <p:nvPr/>
+      </p:nvGrpSpPr>
+      <p:grpSpPr>
+        <a:xfrm>
+          <a:off x="0" y="0"/>
+          <a:ext cx="0" cy="0"/>
+          <a:chOff x="0" y="0"/>
+          <a:chExt cx="0" cy="0"/>
+        </a:xfrm>
+      </p:grpSpPr>
       <p:pic>
         <p:nvPicPr>
           <p:cNvPr id="5" name="図 4">
             <a:extLst>
               <a:ext uri="{FF2B5EF4-FFF2-40B4-BE49-F238E27FC236}">
-                <a16:creationId xmlns:a16="http://schemas.microsoft.com/office/drawing/2014/main" id="{97B2A636-344A-8342-93C2-099CA6965B00}"/>
+                <a16:creationId xmlns:a16="http://schemas.microsoft.com/office/drawing/2014/main" id="{E9DF2685-CEA4-8748-B921-A2E3BD139FEA}"/>
               </a:ext>
             </a:extLst>
           </p:cNvPr>
@@ -3581,56 +4052,20 @@
         </p:blipFill>
         <p:spPr>
           <a:xfrm>
-            <a:off x="7278642" y="67983"/>
-            <a:ext cx="3210064" cy="2407548"/>
+            <a:off x="5792694" y="243168"/>
+            <a:ext cx="5842000" cy="4381500"/>
           </a:xfrm>
           <a:prstGeom prst="rect">
             <a:avLst/>
           </a:prstGeom>
         </p:spPr>
       </p:pic>
-      <p:sp>
-        <p:nvSpPr>
-          <p:cNvPr id="6" name="テキスト ボックス 5">
-            <a:extLst>
-              <a:ext uri="{FF2B5EF4-FFF2-40B4-BE49-F238E27FC236}">
-                <a16:creationId xmlns:a16="http://schemas.microsoft.com/office/drawing/2014/main" id="{B8D3413D-647C-774E-8822-D34A8059E9F0}"/>
-              </a:ext>
-            </a:extLst>
-          </p:cNvPr>
-          <p:cNvSpPr txBox="1"/>
-          <p:nvPr/>
-        </p:nvSpPr>
-        <p:spPr>
-          <a:xfrm>
-            <a:off x="8443823" y="2475531"/>
-            <a:ext cx="1079142" cy="307777"/>
-          </a:xfrm>
-          <a:prstGeom prst="rect">
-            <a:avLst/>
-          </a:prstGeom>
-          <a:noFill/>
-        </p:spPr>
-        <p:txBody>
-          <a:bodyPr wrap="none" rtlCol="0">
-            <a:spAutoFit/>
-          </a:bodyPr>
-          <a:lstStyle/>
-          <a:p>
-            <a:r>
-              <a:rPr lang="en-US" altLang="ja-JP" sz="1400" dirty="0"/>
-              <a:t>160000000</a:t>
-            </a:r>
-            <a:endParaRPr kumimoji="1" lang="ja-JP" altLang="en-US" sz="1400"/>
-          </a:p>
-        </p:txBody>
-      </p:sp>
       <p:pic>
         <p:nvPicPr>
-          <p:cNvPr id="8" name="図 7">
-            <a:extLst>
-              <a:ext uri="{FF2B5EF4-FFF2-40B4-BE49-F238E27FC236}">
-                <a16:creationId xmlns:a16="http://schemas.microsoft.com/office/drawing/2014/main" id="{C98C49D1-5930-CC4E-B08D-04D686F6F6F9}"/>
+          <p:cNvPr id="7" name="図 6">
+            <a:extLst>
+              <a:ext uri="{FF2B5EF4-FFF2-40B4-BE49-F238E27FC236}">
+                <a16:creationId xmlns:a16="http://schemas.microsoft.com/office/drawing/2014/main" id="{583B4F29-E1C1-9F4C-B4D9-E7AF0FDDD3FA}"/>
               </a:ext>
             </a:extLst>
           </p:cNvPr>
@@ -3647,8 +4082,8 @@
         </p:blipFill>
         <p:spPr>
           <a:xfrm>
-            <a:off x="3935506" y="69349"/>
-            <a:ext cx="3216367" cy="2412275"/>
+            <a:off x="491566" y="243169"/>
+            <a:ext cx="5841999" cy="4381500"/>
           </a:xfrm>
           <a:prstGeom prst="rect">
             <a:avLst/>
@@ -3657,10 +4092,10 @@
       </p:pic>
       <p:sp>
         <p:nvSpPr>
-          <p:cNvPr id="9" name="テキスト ボックス 8">
-            <a:extLst>
-              <a:ext uri="{FF2B5EF4-FFF2-40B4-BE49-F238E27FC236}">
-                <a16:creationId xmlns:a16="http://schemas.microsoft.com/office/drawing/2014/main" id="{ADD38D71-A5C2-CD45-8208-49B412643AF0}"/>
+          <p:cNvPr id="8" name="テキスト ボックス 7">
+            <a:extLst>
+              <a:ext uri="{FF2B5EF4-FFF2-40B4-BE49-F238E27FC236}">
+                <a16:creationId xmlns:a16="http://schemas.microsoft.com/office/drawing/2014/main" id="{FC1FAF0C-F1D3-BF43-BE19-379CB4294FA3}"/>
               </a:ext>
             </a:extLst>
           </p:cNvPr>
@@ -3669,8 +4104,8 @@
         </p:nvSpPr>
         <p:spPr>
           <a:xfrm>
-            <a:off x="5053811" y="2485478"/>
-            <a:ext cx="979755" cy="307777"/>
+            <a:off x="2716305" y="4470779"/>
+            <a:ext cx="1338828" cy="307777"/>
           </a:xfrm>
           <a:prstGeom prst="rect">
             <a:avLst/>
@@ -3683,60 +4118,31 @@
           </a:bodyPr>
           <a:lstStyle/>
           <a:p>
-            <a:r>
-              <a:rPr lang="en-US" altLang="ja-JP" sz="1400" dirty="0"/>
-              <a:t>80000000</a:t>
+            <a:pPr algn="l"/>
+            <a:r>
+              <a:rPr kumimoji="1" lang="en-US" altLang="ja-JP" sz="1400" dirty="0"/>
+              <a:t>exact solution</a:t>
             </a:r>
             <a:endParaRPr kumimoji="1" lang="ja-JP" altLang="en-US" sz="1400" dirty="0"/>
           </a:p>
         </p:txBody>
       </p:sp>
-      <p:pic>
-        <p:nvPicPr>
-          <p:cNvPr id="11" name="図 10">
-            <a:extLst>
-              <a:ext uri="{FF2B5EF4-FFF2-40B4-BE49-F238E27FC236}">
-                <a16:creationId xmlns:a16="http://schemas.microsoft.com/office/drawing/2014/main" id="{372D2C6F-44C9-A945-BD6D-5B6EE762F80F}"/>
-              </a:ext>
-            </a:extLst>
-          </p:cNvPr>
-          <p:cNvPicPr>
-            <a:picLocks noChangeAspect="1"/>
-          </p:cNvPicPr>
+      <p:sp>
+        <p:nvSpPr>
+          <p:cNvPr id="9" name="テキスト ボックス 8">
+            <a:extLst>
+              <a:ext uri="{FF2B5EF4-FFF2-40B4-BE49-F238E27FC236}">
+                <a16:creationId xmlns:a16="http://schemas.microsoft.com/office/drawing/2014/main" id="{C988E1CA-60B0-8344-A3FF-9641AD4C14AC}"/>
+              </a:ext>
+            </a:extLst>
+          </p:cNvPr>
+          <p:cNvSpPr txBox="1"/>
           <p:nvPr/>
-        </p:nvPicPr>
-        <p:blipFill>
-          <a:blip r:embed="rId4"/>
-          <a:stretch>
-            <a:fillRect/>
-          </a:stretch>
-        </p:blipFill>
+        </p:nvSpPr>
         <p:spPr>
           <a:xfrm>
-            <a:off x="719140" y="69349"/>
-            <a:ext cx="3216366" cy="2412275"/>
-          </a:xfrm>
-          <a:prstGeom prst="rect">
-            <a:avLst/>
-          </a:prstGeom>
-        </p:spPr>
-      </p:pic>
-      <p:sp>
-        <p:nvSpPr>
-          <p:cNvPr id="14" name="テキスト ボックス 13">
-            <a:extLst>
-              <a:ext uri="{FF2B5EF4-FFF2-40B4-BE49-F238E27FC236}">
-                <a16:creationId xmlns:a16="http://schemas.microsoft.com/office/drawing/2014/main" id="{CD5BB458-4983-8E4E-AA59-B3E169DB778C}"/>
-              </a:ext>
-            </a:extLst>
-          </p:cNvPr>
-          <p:cNvSpPr txBox="1"/>
-          <p:nvPr/>
-        </p:nvSpPr>
-        <p:spPr>
-          <a:xfrm>
-            <a:off x="1837445" y="2485478"/>
-            <a:ext cx="979755" cy="307777"/>
+            <a:off x="8017433" y="4470778"/>
+            <a:ext cx="1710725" cy="307777"/>
           </a:xfrm>
           <a:prstGeom prst="rect">
             <a:avLst/>
@@ -3749,9 +4155,10 @@
           </a:bodyPr>
           <a:lstStyle/>
           <a:p>
-            <a:r>
-              <a:rPr lang="en-US" altLang="ja-JP" sz="1400" dirty="0"/>
-              <a:t>50000000</a:t>
+            <a:pPr algn="l"/>
+            <a:r>
+              <a:rPr kumimoji="1" lang="en-US" altLang="ja-JP" sz="1400" dirty="0"/>
+              <a:t>solution by MCMC</a:t>
             </a:r>
             <a:endParaRPr kumimoji="1" lang="ja-JP" altLang="en-US" sz="1400" dirty="0"/>
           </a:p>
@@ -3760,7 +4167,7 @@
     </p:spTree>
     <p:extLst>
       <p:ext uri="{BB962C8B-B14F-4D97-AF65-F5344CB8AC3E}">
-        <p14:creationId xmlns:p14="http://schemas.microsoft.com/office/powerpoint/2010/main" val="1771373814"/>
+        <p14:creationId xmlns:p14="http://schemas.microsoft.com/office/powerpoint/2010/main" val="2808948487"/>
       </p:ext>
     </p:extLst>
   </p:cSld>
